--- a/Selasa/Komunikasi data/Minggu 10 - Algoritma Djikstra/tugas/assets.pptx
+++ b/Selasa/Komunikasi data/Minggu 10 - Algoritma Djikstra/tugas/assets.pptx
@@ -109,6 +109,11 @@
       </a:defRPr>
     </a:lvl9pPr>
   </p:defaultTextStyle>
+  <p:extLst>
+    <p:ext uri="{EFAFB233-063F-42B5-8137-9DF3F51BA10A}">
+      <p15:sldGuideLst xmlns:p15="http://schemas.microsoft.com/office/powerpoint/2012/main"/>
+    </p:ext>
+  </p:extLst>
 </p:presentation>
 </file>
 
@@ -154,10 +159,9 @@
           </a:lstStyle>
           <a:p>
             <a:r>
-              <a:rPr lang="en-US" smtClean="0"/>
+              <a:rPr lang="en-US"/>
               <a:t>Click to edit Master title style</a:t>
             </a:r>
-            <a:endParaRPr lang="en-US"/>
           </a:p>
         </p:txBody>
       </p:sp>
@@ -219,10 +223,9 @@
           </a:lstStyle>
           <a:p>
             <a:r>
-              <a:rPr lang="en-US" smtClean="0"/>
+              <a:rPr lang="en-US"/>
               <a:t>Click to edit Master subtitle style</a:t>
             </a:r>
-            <a:endParaRPr lang="en-US"/>
           </a:p>
         </p:txBody>
       </p:sp>
@@ -243,7 +246,7 @@
           <a:p>
             <a:fld id="{925D980F-C520-4AC1-95ED-4C485A625FF7}" type="datetimeFigureOut">
               <a:rPr lang="en-US" smtClean="0"/>
-              <a:t>12/3/2020</a:t>
+              <a:t>1/5/2021</a:t>
             </a:fld>
             <a:endParaRPr lang="en-US"/>
           </a:p>
@@ -337,10 +340,9 @@
           <a:lstStyle/>
           <a:p>
             <a:r>
-              <a:rPr lang="en-US" smtClean="0"/>
+              <a:rPr lang="en-US"/>
               <a:t>Click to edit Master title style</a:t>
             </a:r>
-            <a:endParaRPr lang="en-US"/>
           </a:p>
         </p:txBody>
       </p:sp>
@@ -361,38 +363,37 @@
           <a:p>
             <a:pPr lvl="0"/>
             <a:r>
-              <a:rPr lang="en-US" smtClean="0"/>
+              <a:rPr lang="en-US"/>
               <a:t>Click to edit Master text styles</a:t>
             </a:r>
           </a:p>
           <a:p>
             <a:pPr lvl="1"/>
             <a:r>
-              <a:rPr lang="en-US" smtClean="0"/>
+              <a:rPr lang="en-US"/>
               <a:t>Second level</a:t>
             </a:r>
           </a:p>
           <a:p>
             <a:pPr lvl="2"/>
             <a:r>
-              <a:rPr lang="en-US" smtClean="0"/>
+              <a:rPr lang="en-US"/>
               <a:t>Third level</a:t>
             </a:r>
           </a:p>
           <a:p>
             <a:pPr lvl="3"/>
             <a:r>
-              <a:rPr lang="en-US" smtClean="0"/>
+              <a:rPr lang="en-US"/>
               <a:t>Fourth level</a:t>
             </a:r>
           </a:p>
           <a:p>
             <a:pPr lvl="4"/>
             <a:r>
-              <a:rPr lang="en-US" smtClean="0"/>
+              <a:rPr lang="en-US"/>
               <a:t>Fifth level</a:t>
             </a:r>
-            <a:endParaRPr lang="en-US"/>
           </a:p>
         </p:txBody>
       </p:sp>
@@ -413,7 +414,7 @@
           <a:p>
             <a:fld id="{925D980F-C520-4AC1-95ED-4C485A625FF7}" type="datetimeFigureOut">
               <a:rPr lang="en-US" smtClean="0"/>
-              <a:t>12/3/2020</a:t>
+              <a:t>1/5/2021</a:t>
             </a:fld>
             <a:endParaRPr lang="en-US"/>
           </a:p>
@@ -512,10 +513,9 @@
           <a:lstStyle/>
           <a:p>
             <a:r>
-              <a:rPr lang="en-US" smtClean="0"/>
+              <a:rPr lang="en-US"/>
               <a:t>Click to edit Master title style</a:t>
             </a:r>
-            <a:endParaRPr lang="en-US"/>
           </a:p>
         </p:txBody>
       </p:sp>
@@ -541,38 +541,37 @@
           <a:p>
             <a:pPr lvl="0"/>
             <a:r>
-              <a:rPr lang="en-US" smtClean="0"/>
+              <a:rPr lang="en-US"/>
               <a:t>Click to edit Master text styles</a:t>
             </a:r>
           </a:p>
           <a:p>
             <a:pPr lvl="1"/>
             <a:r>
-              <a:rPr lang="en-US" smtClean="0"/>
+              <a:rPr lang="en-US"/>
               <a:t>Second level</a:t>
             </a:r>
           </a:p>
           <a:p>
             <a:pPr lvl="2"/>
             <a:r>
-              <a:rPr lang="en-US" smtClean="0"/>
+              <a:rPr lang="en-US"/>
               <a:t>Third level</a:t>
             </a:r>
           </a:p>
           <a:p>
             <a:pPr lvl="3"/>
             <a:r>
-              <a:rPr lang="en-US" smtClean="0"/>
+              <a:rPr lang="en-US"/>
               <a:t>Fourth level</a:t>
             </a:r>
           </a:p>
           <a:p>
             <a:pPr lvl="4"/>
             <a:r>
-              <a:rPr lang="en-US" smtClean="0"/>
+              <a:rPr lang="en-US"/>
               <a:t>Fifth level</a:t>
             </a:r>
-            <a:endParaRPr lang="en-US"/>
           </a:p>
         </p:txBody>
       </p:sp>
@@ -593,7 +592,7 @@
           <a:p>
             <a:fld id="{925D980F-C520-4AC1-95ED-4C485A625FF7}" type="datetimeFigureOut">
               <a:rPr lang="en-US" smtClean="0"/>
-              <a:t>12/3/2020</a:t>
+              <a:t>1/5/2021</a:t>
             </a:fld>
             <a:endParaRPr lang="en-US"/>
           </a:p>
@@ -687,10 +686,9 @@
           <a:lstStyle/>
           <a:p>
             <a:r>
-              <a:rPr lang="en-US" smtClean="0"/>
+              <a:rPr lang="en-US"/>
               <a:t>Click to edit Master title style</a:t>
             </a:r>
-            <a:endParaRPr lang="en-US"/>
           </a:p>
         </p:txBody>
       </p:sp>
@@ -711,38 +709,37 @@
           <a:p>
             <a:pPr lvl="0"/>
             <a:r>
-              <a:rPr lang="en-US" smtClean="0"/>
+              <a:rPr lang="en-US"/>
               <a:t>Click to edit Master text styles</a:t>
             </a:r>
           </a:p>
           <a:p>
             <a:pPr lvl="1"/>
             <a:r>
-              <a:rPr lang="en-US" smtClean="0"/>
+              <a:rPr lang="en-US"/>
               <a:t>Second level</a:t>
             </a:r>
           </a:p>
           <a:p>
             <a:pPr lvl="2"/>
             <a:r>
-              <a:rPr lang="en-US" smtClean="0"/>
+              <a:rPr lang="en-US"/>
               <a:t>Third level</a:t>
             </a:r>
           </a:p>
           <a:p>
             <a:pPr lvl="3"/>
             <a:r>
-              <a:rPr lang="en-US" smtClean="0"/>
+              <a:rPr lang="en-US"/>
               <a:t>Fourth level</a:t>
             </a:r>
           </a:p>
           <a:p>
             <a:pPr lvl="4"/>
             <a:r>
-              <a:rPr lang="en-US" smtClean="0"/>
+              <a:rPr lang="en-US"/>
               <a:t>Fifth level</a:t>
             </a:r>
-            <a:endParaRPr lang="en-US"/>
           </a:p>
         </p:txBody>
       </p:sp>
@@ -763,7 +760,7 @@
           <a:p>
             <a:fld id="{925D980F-C520-4AC1-95ED-4C485A625FF7}" type="datetimeFigureOut">
               <a:rPr lang="en-US" smtClean="0"/>
-              <a:t>12/3/2020</a:t>
+              <a:t>1/5/2021</a:t>
             </a:fld>
             <a:endParaRPr lang="en-US"/>
           </a:p>
@@ -866,10 +863,9 @@
           </a:lstStyle>
           <a:p>
             <a:r>
-              <a:rPr lang="en-US" smtClean="0"/>
+              <a:rPr lang="en-US"/>
               <a:t>Click to edit Master title style</a:t>
             </a:r>
-            <a:endParaRPr lang="en-US"/>
           </a:p>
         </p:txBody>
       </p:sp>
@@ -986,7 +982,7 @@
           <a:p>
             <a:pPr lvl="0"/>
             <a:r>
-              <a:rPr lang="en-US" smtClean="0"/>
+              <a:rPr lang="en-US"/>
               <a:t>Click to edit Master text styles</a:t>
             </a:r>
           </a:p>
@@ -1009,7 +1005,7 @@
           <a:p>
             <a:fld id="{925D980F-C520-4AC1-95ED-4C485A625FF7}" type="datetimeFigureOut">
               <a:rPr lang="en-US" smtClean="0"/>
-              <a:t>12/3/2020</a:t>
+              <a:t>1/5/2021</a:t>
             </a:fld>
             <a:endParaRPr lang="en-US"/>
           </a:p>
@@ -1103,10 +1099,9 @@
           <a:lstStyle/>
           <a:p>
             <a:r>
-              <a:rPr lang="en-US" smtClean="0"/>
+              <a:rPr lang="en-US"/>
               <a:t>Click to edit Master title style</a:t>
             </a:r>
-            <a:endParaRPr lang="en-US"/>
           </a:p>
         </p:txBody>
       </p:sp>
@@ -1132,38 +1127,37 @@
           <a:p>
             <a:pPr lvl="0"/>
             <a:r>
-              <a:rPr lang="en-US" smtClean="0"/>
+              <a:rPr lang="en-US"/>
               <a:t>Click to edit Master text styles</a:t>
             </a:r>
           </a:p>
           <a:p>
             <a:pPr lvl="1"/>
             <a:r>
-              <a:rPr lang="en-US" smtClean="0"/>
+              <a:rPr lang="en-US"/>
               <a:t>Second level</a:t>
             </a:r>
           </a:p>
           <a:p>
             <a:pPr lvl="2"/>
             <a:r>
-              <a:rPr lang="en-US" smtClean="0"/>
+              <a:rPr lang="en-US"/>
               <a:t>Third level</a:t>
             </a:r>
           </a:p>
           <a:p>
             <a:pPr lvl="3"/>
             <a:r>
-              <a:rPr lang="en-US" smtClean="0"/>
+              <a:rPr lang="en-US"/>
               <a:t>Fourth level</a:t>
             </a:r>
           </a:p>
           <a:p>
             <a:pPr lvl="4"/>
             <a:r>
-              <a:rPr lang="en-US" smtClean="0"/>
+              <a:rPr lang="en-US"/>
               <a:t>Fifth level</a:t>
             </a:r>
-            <a:endParaRPr lang="en-US"/>
           </a:p>
         </p:txBody>
       </p:sp>
@@ -1189,38 +1183,37 @@
           <a:p>
             <a:pPr lvl="0"/>
             <a:r>
-              <a:rPr lang="en-US" smtClean="0"/>
+              <a:rPr lang="en-US"/>
               <a:t>Click to edit Master text styles</a:t>
             </a:r>
           </a:p>
           <a:p>
             <a:pPr lvl="1"/>
             <a:r>
-              <a:rPr lang="en-US" smtClean="0"/>
+              <a:rPr lang="en-US"/>
               <a:t>Second level</a:t>
             </a:r>
           </a:p>
           <a:p>
             <a:pPr lvl="2"/>
             <a:r>
-              <a:rPr lang="en-US" smtClean="0"/>
+              <a:rPr lang="en-US"/>
               <a:t>Third level</a:t>
             </a:r>
           </a:p>
           <a:p>
             <a:pPr lvl="3"/>
             <a:r>
-              <a:rPr lang="en-US" smtClean="0"/>
+              <a:rPr lang="en-US"/>
               <a:t>Fourth level</a:t>
             </a:r>
           </a:p>
           <a:p>
             <a:pPr lvl="4"/>
             <a:r>
-              <a:rPr lang="en-US" smtClean="0"/>
+              <a:rPr lang="en-US"/>
               <a:t>Fifth level</a:t>
             </a:r>
-            <a:endParaRPr lang="en-US"/>
           </a:p>
         </p:txBody>
       </p:sp>
@@ -1241,7 +1234,7 @@
           <a:p>
             <a:fld id="{925D980F-C520-4AC1-95ED-4C485A625FF7}" type="datetimeFigureOut">
               <a:rPr lang="en-US" smtClean="0"/>
-              <a:t>12/3/2020</a:t>
+              <a:t>1/5/2021</a:t>
             </a:fld>
             <a:endParaRPr lang="en-US"/>
           </a:p>
@@ -1340,10 +1333,9 @@
           <a:lstStyle/>
           <a:p>
             <a:r>
-              <a:rPr lang="en-US" smtClean="0"/>
+              <a:rPr lang="en-US"/>
               <a:t>Click to edit Master title style</a:t>
             </a:r>
-            <a:endParaRPr lang="en-US"/>
           </a:p>
         </p:txBody>
       </p:sp>
@@ -1406,7 +1398,7 @@
           <a:p>
             <a:pPr lvl="0"/>
             <a:r>
-              <a:rPr lang="en-US" smtClean="0"/>
+              <a:rPr lang="en-US"/>
               <a:t>Click to edit Master text styles</a:t>
             </a:r>
           </a:p>
@@ -1434,38 +1426,37 @@
           <a:p>
             <a:pPr lvl="0"/>
             <a:r>
-              <a:rPr lang="en-US" smtClean="0"/>
+              <a:rPr lang="en-US"/>
               <a:t>Click to edit Master text styles</a:t>
             </a:r>
           </a:p>
           <a:p>
             <a:pPr lvl="1"/>
             <a:r>
-              <a:rPr lang="en-US" smtClean="0"/>
+              <a:rPr lang="en-US"/>
               <a:t>Second level</a:t>
             </a:r>
           </a:p>
           <a:p>
             <a:pPr lvl="2"/>
             <a:r>
-              <a:rPr lang="en-US" smtClean="0"/>
+              <a:rPr lang="en-US"/>
               <a:t>Third level</a:t>
             </a:r>
           </a:p>
           <a:p>
             <a:pPr lvl="3"/>
             <a:r>
-              <a:rPr lang="en-US" smtClean="0"/>
+              <a:rPr lang="en-US"/>
               <a:t>Fourth level</a:t>
             </a:r>
           </a:p>
           <a:p>
             <a:pPr lvl="4"/>
             <a:r>
-              <a:rPr lang="en-US" smtClean="0"/>
+              <a:rPr lang="en-US"/>
               <a:t>Fifth level</a:t>
             </a:r>
-            <a:endParaRPr lang="en-US"/>
           </a:p>
         </p:txBody>
       </p:sp>
@@ -1528,7 +1519,7 @@
           <a:p>
             <a:pPr lvl="0"/>
             <a:r>
-              <a:rPr lang="en-US" smtClean="0"/>
+              <a:rPr lang="en-US"/>
               <a:t>Click to edit Master text styles</a:t>
             </a:r>
           </a:p>
@@ -1556,38 +1547,37 @@
           <a:p>
             <a:pPr lvl="0"/>
             <a:r>
-              <a:rPr lang="en-US" smtClean="0"/>
+              <a:rPr lang="en-US"/>
               <a:t>Click to edit Master text styles</a:t>
             </a:r>
           </a:p>
           <a:p>
             <a:pPr lvl="1"/>
             <a:r>
-              <a:rPr lang="en-US" smtClean="0"/>
+              <a:rPr lang="en-US"/>
               <a:t>Second level</a:t>
             </a:r>
           </a:p>
           <a:p>
             <a:pPr lvl="2"/>
             <a:r>
-              <a:rPr lang="en-US" smtClean="0"/>
+              <a:rPr lang="en-US"/>
               <a:t>Third level</a:t>
             </a:r>
           </a:p>
           <a:p>
             <a:pPr lvl="3"/>
             <a:r>
-              <a:rPr lang="en-US" smtClean="0"/>
+              <a:rPr lang="en-US"/>
               <a:t>Fourth level</a:t>
             </a:r>
           </a:p>
           <a:p>
             <a:pPr lvl="4"/>
             <a:r>
-              <a:rPr lang="en-US" smtClean="0"/>
+              <a:rPr lang="en-US"/>
               <a:t>Fifth level</a:t>
             </a:r>
-            <a:endParaRPr lang="en-US"/>
           </a:p>
         </p:txBody>
       </p:sp>
@@ -1608,7 +1598,7 @@
           <a:p>
             <a:fld id="{925D980F-C520-4AC1-95ED-4C485A625FF7}" type="datetimeFigureOut">
               <a:rPr lang="en-US" smtClean="0"/>
-              <a:t>12/3/2020</a:t>
+              <a:t>1/5/2021</a:t>
             </a:fld>
             <a:endParaRPr lang="en-US"/>
           </a:p>
@@ -1702,10 +1692,9 @@
           <a:lstStyle/>
           <a:p>
             <a:r>
-              <a:rPr lang="en-US" smtClean="0"/>
+              <a:rPr lang="en-US"/>
               <a:t>Click to edit Master title style</a:t>
             </a:r>
-            <a:endParaRPr lang="en-US"/>
           </a:p>
         </p:txBody>
       </p:sp>
@@ -1726,7 +1715,7 @@
           <a:p>
             <a:fld id="{925D980F-C520-4AC1-95ED-4C485A625FF7}" type="datetimeFigureOut">
               <a:rPr lang="en-US" smtClean="0"/>
-              <a:t>12/3/2020</a:t>
+              <a:t>1/5/2021</a:t>
             </a:fld>
             <a:endParaRPr lang="en-US"/>
           </a:p>
@@ -1821,7 +1810,7 @@
           <a:p>
             <a:fld id="{925D980F-C520-4AC1-95ED-4C485A625FF7}" type="datetimeFigureOut">
               <a:rPr lang="en-US" smtClean="0"/>
-              <a:t>12/3/2020</a:t>
+              <a:t>1/5/2021</a:t>
             </a:fld>
             <a:endParaRPr lang="en-US"/>
           </a:p>
@@ -1924,10 +1913,9 @@
           </a:lstStyle>
           <a:p>
             <a:r>
-              <a:rPr lang="en-US" smtClean="0"/>
+              <a:rPr lang="en-US"/>
               <a:t>Click to edit Master title style</a:t>
             </a:r>
-            <a:endParaRPr lang="en-US"/>
           </a:p>
         </p:txBody>
       </p:sp>
@@ -1981,38 +1969,37 @@
           <a:p>
             <a:pPr lvl="0"/>
             <a:r>
-              <a:rPr lang="en-US" smtClean="0"/>
+              <a:rPr lang="en-US"/>
               <a:t>Click to edit Master text styles</a:t>
             </a:r>
           </a:p>
           <a:p>
             <a:pPr lvl="1"/>
             <a:r>
-              <a:rPr lang="en-US" smtClean="0"/>
+              <a:rPr lang="en-US"/>
               <a:t>Second level</a:t>
             </a:r>
           </a:p>
           <a:p>
             <a:pPr lvl="2"/>
             <a:r>
-              <a:rPr lang="en-US" smtClean="0"/>
+              <a:rPr lang="en-US"/>
               <a:t>Third level</a:t>
             </a:r>
           </a:p>
           <a:p>
             <a:pPr lvl="3"/>
             <a:r>
-              <a:rPr lang="en-US" smtClean="0"/>
+              <a:rPr lang="en-US"/>
               <a:t>Fourth level</a:t>
             </a:r>
           </a:p>
           <a:p>
             <a:pPr lvl="4"/>
             <a:r>
-              <a:rPr lang="en-US" smtClean="0"/>
+              <a:rPr lang="en-US"/>
               <a:t>Fifth level</a:t>
             </a:r>
-            <a:endParaRPr lang="en-US"/>
           </a:p>
         </p:txBody>
       </p:sp>
@@ -2075,7 +2062,7 @@
           <a:p>
             <a:pPr lvl="0"/>
             <a:r>
-              <a:rPr lang="en-US" smtClean="0"/>
+              <a:rPr lang="en-US"/>
               <a:t>Click to edit Master text styles</a:t>
             </a:r>
           </a:p>
@@ -2098,7 +2085,7 @@
           <a:p>
             <a:fld id="{925D980F-C520-4AC1-95ED-4C485A625FF7}" type="datetimeFigureOut">
               <a:rPr lang="en-US" smtClean="0"/>
-              <a:t>12/3/2020</a:t>
+              <a:t>1/5/2021</a:t>
             </a:fld>
             <a:endParaRPr lang="en-US"/>
           </a:p>
@@ -2201,10 +2188,9 @@
           </a:lstStyle>
           <a:p>
             <a:r>
-              <a:rPr lang="en-US" smtClean="0"/>
+              <a:rPr lang="en-US"/>
               <a:t>Click to edit Master title style</a:t>
             </a:r>
-            <a:endParaRPr lang="en-US"/>
           </a:p>
         </p:txBody>
       </p:sp>
@@ -2328,7 +2314,7 @@
           <a:p>
             <a:pPr lvl="0"/>
             <a:r>
-              <a:rPr lang="en-US" smtClean="0"/>
+              <a:rPr lang="en-US"/>
               <a:t>Click to edit Master text styles</a:t>
             </a:r>
           </a:p>
@@ -2351,7 +2337,7 @@
           <a:p>
             <a:fld id="{925D980F-C520-4AC1-95ED-4C485A625FF7}" type="datetimeFigureOut">
               <a:rPr lang="en-US" smtClean="0"/>
-              <a:t>12/3/2020</a:t>
+              <a:t>1/5/2021</a:t>
             </a:fld>
             <a:endParaRPr lang="en-US"/>
           </a:p>
@@ -2460,10 +2446,9 @@
           <a:lstStyle/>
           <a:p>
             <a:r>
-              <a:rPr lang="en-US" smtClean="0"/>
+              <a:rPr lang="en-US"/>
               <a:t>Click to edit Master title style</a:t>
             </a:r>
-            <a:endParaRPr lang="en-US"/>
           </a:p>
         </p:txBody>
       </p:sp>
@@ -2494,38 +2479,37 @@
           <a:p>
             <a:pPr lvl="0"/>
             <a:r>
-              <a:rPr lang="en-US" smtClean="0"/>
+              <a:rPr lang="en-US"/>
               <a:t>Click to edit Master text styles</a:t>
             </a:r>
           </a:p>
           <a:p>
             <a:pPr lvl="1"/>
             <a:r>
-              <a:rPr lang="en-US" smtClean="0"/>
+              <a:rPr lang="en-US"/>
               <a:t>Second level</a:t>
             </a:r>
           </a:p>
           <a:p>
             <a:pPr lvl="2"/>
             <a:r>
-              <a:rPr lang="en-US" smtClean="0"/>
+              <a:rPr lang="en-US"/>
               <a:t>Third level</a:t>
             </a:r>
           </a:p>
           <a:p>
             <a:pPr lvl="3"/>
             <a:r>
-              <a:rPr lang="en-US" smtClean="0"/>
+              <a:rPr lang="en-US"/>
               <a:t>Fourth level</a:t>
             </a:r>
           </a:p>
           <a:p>
             <a:pPr lvl="4"/>
             <a:r>
-              <a:rPr lang="en-US" smtClean="0"/>
+              <a:rPr lang="en-US"/>
               <a:t>Fifth level</a:t>
             </a:r>
-            <a:endParaRPr lang="en-US"/>
           </a:p>
         </p:txBody>
       </p:sp>
@@ -2564,7 +2548,7 @@
           <a:p>
             <a:fld id="{925D980F-C520-4AC1-95ED-4C485A625FF7}" type="datetimeFigureOut">
               <a:rPr lang="en-US" smtClean="0"/>
-              <a:t>12/3/2020</a:t>
+              <a:t>1/5/2021</a:t>
             </a:fld>
             <a:endParaRPr lang="en-US"/>
           </a:p>
@@ -2977,7 +2961,7 @@
         </p:nvGrpSpPr>
         <p:grpSpPr>
           <a:xfrm>
-            <a:off x="873703" y="731978"/>
+            <a:off x="2383416" y="751028"/>
             <a:ext cx="4365611" cy="2276648"/>
             <a:chOff x="873703" y="731978"/>
             <a:chExt cx="4365611" cy="2276648"/>
@@ -3019,7 +3003,7 @@
             <a:p>
               <a:pPr algn="ctr"/>
               <a:r>
-                <a:rPr lang="id-ID" sz="800" dirty="0" smtClean="0"/>
+                <a:rPr lang="id-ID" sz="800" dirty="0"/>
                 <a:t>V2</a:t>
               </a:r>
               <a:endParaRPr lang="en-US" sz="800" dirty="0"/>
@@ -3062,7 +3046,7 @@
             <a:p>
               <a:pPr algn="ctr"/>
               <a:r>
-                <a:rPr lang="id-ID" sz="800" dirty="0" smtClean="0"/>
+                <a:rPr lang="id-ID" sz="800" dirty="0"/>
                 <a:t>V4</a:t>
               </a:r>
               <a:endParaRPr lang="en-US" sz="800" dirty="0"/>
@@ -3105,7 +3089,7 @@
             <a:p>
               <a:pPr algn="ctr"/>
               <a:r>
-                <a:rPr lang="id-ID" sz="800" dirty="0" smtClean="0"/>
+                <a:rPr lang="id-ID" sz="800" dirty="0"/>
                 <a:t>V3</a:t>
               </a:r>
               <a:endParaRPr lang="en-US" sz="800" dirty="0"/>
@@ -3148,7 +3132,7 @@
             <a:p>
               <a:pPr algn="ctr"/>
               <a:r>
-                <a:rPr lang="id-ID" sz="800" dirty="0" smtClean="0"/>
+                <a:rPr lang="id-ID" sz="800" dirty="0"/>
                 <a:t>V1</a:t>
               </a:r>
               <a:endParaRPr lang="en-US" sz="800" dirty="0"/>
@@ -3191,7 +3175,7 @@
             <a:p>
               <a:pPr algn="ctr"/>
               <a:r>
-                <a:rPr lang="id-ID" sz="800" dirty="0" smtClean="0"/>
+                <a:rPr lang="id-ID" sz="800" dirty="0"/>
                 <a:t>V7</a:t>
               </a:r>
               <a:endParaRPr lang="en-US" sz="800" dirty="0"/>
@@ -3234,7 +3218,7 @@
             <a:p>
               <a:pPr algn="ctr"/>
               <a:r>
-                <a:rPr lang="id-ID" sz="800" dirty="0" smtClean="0"/>
+                <a:rPr lang="id-ID" sz="800" dirty="0"/>
                 <a:t>V5</a:t>
               </a:r>
             </a:p>
@@ -3276,7 +3260,7 @@
             <a:p>
               <a:pPr algn="ctr"/>
               <a:r>
-                <a:rPr lang="id-ID" sz="800" dirty="0" smtClean="0"/>
+                <a:rPr lang="id-ID" sz="800" dirty="0"/>
                 <a:t>V6</a:t>
               </a:r>
               <a:endParaRPr lang="en-US" sz="800" dirty="0"/>
@@ -3740,7 +3724,7 @@
             <a:lstStyle/>
             <a:p>
               <a:r>
-                <a:rPr lang="id-ID" sz="800" dirty="0" smtClean="0"/>
+                <a:rPr lang="id-ID" sz="800" dirty="0"/>
                 <a:t>7</a:t>
               </a:r>
               <a:endParaRPr lang="en-US" sz="800" dirty="0"/>
@@ -3804,7 +3788,7 @@
             <a:lstStyle/>
             <a:p>
               <a:r>
-                <a:rPr lang="id-ID" sz="800" dirty="0" smtClean="0"/>
+                <a:rPr lang="id-ID" sz="800" dirty="0"/>
                 <a:t>12</a:t>
               </a:r>
               <a:endParaRPr lang="en-US" sz="800" dirty="0"/>
@@ -3868,7 +3852,7 @@
             <a:lstStyle/>
             <a:p>
               <a:r>
-                <a:rPr lang="id-ID" sz="800" dirty="0" smtClean="0"/>
+                <a:rPr lang="id-ID" sz="800" dirty="0"/>
                 <a:t>10</a:t>
               </a:r>
               <a:endParaRPr lang="en-US" sz="800" dirty="0"/>
@@ -3900,7 +3884,7 @@
             <a:lstStyle/>
             <a:p>
               <a:r>
-                <a:rPr lang="id-ID" sz="800" dirty="0" smtClean="0"/>
+                <a:rPr lang="id-ID" sz="800" dirty="0"/>
                 <a:t>13</a:t>
               </a:r>
               <a:endParaRPr lang="en-US" sz="800" dirty="0"/>
@@ -4060,7 +4044,7 @@
             <a:lstStyle/>
             <a:p>
               <a:r>
-                <a:rPr lang="id-ID" sz="800" dirty="0" smtClean="0"/>
+                <a:rPr lang="id-ID" sz="800" dirty="0"/>
                 <a:t>7</a:t>
               </a:r>
               <a:endParaRPr lang="en-US" sz="800" dirty="0"/>
@@ -4182,7 +4166,7 @@
             <a:p>
               <a:pPr algn="ctr"/>
               <a:r>
-                <a:rPr lang="id-ID" sz="800" dirty="0" smtClean="0"/>
+                <a:rPr lang="id-ID" sz="800" dirty="0"/>
                 <a:t>V2</a:t>
               </a:r>
               <a:endParaRPr lang="en-US" sz="800" dirty="0"/>
@@ -4225,7 +4209,7 @@
             <a:p>
               <a:pPr algn="ctr"/>
               <a:r>
-                <a:rPr lang="id-ID" sz="800" dirty="0" smtClean="0"/>
+                <a:rPr lang="id-ID" sz="800" dirty="0"/>
                 <a:t>V4</a:t>
               </a:r>
               <a:endParaRPr lang="en-US" sz="800" dirty="0"/>
@@ -4268,7 +4252,7 @@
             <a:p>
               <a:pPr algn="ctr"/>
               <a:r>
-                <a:rPr lang="id-ID" sz="800" dirty="0" smtClean="0"/>
+                <a:rPr lang="id-ID" sz="800" dirty="0"/>
                 <a:t>V3</a:t>
               </a:r>
               <a:endParaRPr lang="en-US" sz="800" dirty="0"/>
@@ -4313,7 +4297,7 @@
             <a:p>
               <a:pPr algn="ctr"/>
               <a:r>
-                <a:rPr lang="id-ID" sz="800" dirty="0" smtClean="0"/>
+                <a:rPr lang="id-ID" sz="800" dirty="0"/>
                 <a:t>V1</a:t>
               </a:r>
               <a:endParaRPr lang="en-US" sz="800" dirty="0"/>
@@ -4453,7 +4437,7 @@
             <a:lstStyle/>
             <a:p>
               <a:r>
-                <a:rPr lang="id-ID" sz="800" dirty="0" smtClean="0"/>
+                <a:rPr lang="id-ID" sz="800" dirty="0"/>
                 <a:t>7</a:t>
               </a:r>
               <a:endParaRPr lang="en-US" sz="800" dirty="0"/>
@@ -4517,7 +4501,7 @@
             <a:lstStyle/>
             <a:p>
               <a:r>
-                <a:rPr lang="id-ID" sz="800" dirty="0" smtClean="0"/>
+                <a:rPr lang="id-ID" sz="800" dirty="0"/>
                 <a:t>12</a:t>
               </a:r>
               <a:endParaRPr lang="en-US" sz="800" dirty="0"/>
@@ -4607,7 +4591,7 @@
             <a:p>
               <a:pPr algn="ctr"/>
               <a:r>
-                <a:rPr lang="id-ID" sz="800" dirty="0" smtClean="0">
+                <a:rPr lang="id-ID" sz="800" dirty="0">
                   <a:solidFill>
                     <a:srgbClr val="FF0000"/>
                   </a:solidFill>
@@ -4658,7 +4642,7 @@
             <a:p>
               <a:pPr algn="ctr"/>
               <a:r>
-                <a:rPr lang="id-ID" sz="800" dirty="0" smtClean="0"/>
+                <a:rPr lang="id-ID" sz="800" dirty="0"/>
                 <a:t>V4</a:t>
               </a:r>
               <a:endParaRPr lang="en-US" sz="800" dirty="0"/>
@@ -4701,7 +4685,7 @@
             <a:p>
               <a:pPr algn="ctr"/>
               <a:r>
-                <a:rPr lang="id-ID" sz="800" dirty="0" smtClean="0"/>
+                <a:rPr lang="id-ID" sz="800" dirty="0"/>
                 <a:t>V3</a:t>
               </a:r>
               <a:endParaRPr lang="en-US" sz="800" dirty="0"/>
@@ -4746,7 +4730,7 @@
             <a:p>
               <a:pPr algn="ctr"/>
               <a:r>
-                <a:rPr lang="id-ID" sz="800" dirty="0" smtClean="0"/>
+                <a:rPr lang="id-ID" sz="800" dirty="0"/>
                 <a:t>V1</a:t>
               </a:r>
               <a:endParaRPr lang="en-US" sz="800" dirty="0"/>
@@ -4789,7 +4773,7 @@
             <a:p>
               <a:pPr algn="ctr"/>
               <a:r>
-                <a:rPr lang="id-ID" sz="800" dirty="0" smtClean="0"/>
+                <a:rPr lang="id-ID" sz="800" dirty="0"/>
                 <a:t>V5</a:t>
               </a:r>
             </a:p>
@@ -5000,7 +4984,7 @@
             <a:lstStyle/>
             <a:p>
               <a:r>
-                <a:rPr lang="id-ID" sz="800" dirty="0" smtClean="0"/>
+                <a:rPr lang="id-ID" sz="800" dirty="0"/>
                 <a:t>7</a:t>
               </a:r>
               <a:endParaRPr lang="en-US" sz="800" dirty="0"/>
@@ -5064,7 +5048,7 @@
             <a:lstStyle/>
             <a:p>
               <a:r>
-                <a:rPr lang="id-ID" sz="800" dirty="0" smtClean="0"/>
+                <a:rPr lang="id-ID" sz="800" dirty="0"/>
                 <a:t>12</a:t>
               </a:r>
               <a:endParaRPr lang="en-US" sz="800" dirty="0"/>
@@ -5218,7 +5202,7 @@
             <a:p>
               <a:pPr algn="ctr"/>
               <a:r>
-                <a:rPr lang="id-ID" sz="800" dirty="0" smtClean="0"/>
+                <a:rPr lang="id-ID" sz="800" dirty="0"/>
                 <a:t>V2</a:t>
               </a:r>
               <a:endParaRPr lang="en-US" sz="800" dirty="0"/>
@@ -5261,7 +5245,7 @@
             <a:p>
               <a:pPr algn="ctr"/>
               <a:r>
-                <a:rPr lang="id-ID" sz="800" dirty="0" smtClean="0"/>
+                <a:rPr lang="id-ID" sz="800" dirty="0"/>
                 <a:t>V4</a:t>
               </a:r>
               <a:endParaRPr lang="en-US" sz="800" dirty="0"/>
@@ -5306,7 +5290,7 @@
             <a:p>
               <a:pPr algn="ctr"/>
               <a:r>
-                <a:rPr lang="id-ID" sz="800" dirty="0" smtClean="0">
+                <a:rPr lang="id-ID" sz="800" dirty="0">
                   <a:solidFill>
                     <a:srgbClr val="FF0000"/>
                   </a:solidFill>
@@ -5359,7 +5343,7 @@
             <a:p>
               <a:pPr algn="ctr"/>
               <a:r>
-                <a:rPr lang="id-ID" sz="800" dirty="0" smtClean="0"/>
+                <a:rPr lang="id-ID" sz="800" dirty="0"/>
                 <a:t>V1</a:t>
               </a:r>
               <a:endParaRPr lang="en-US" sz="800" dirty="0"/>
@@ -5402,7 +5386,7 @@
             <a:p>
               <a:pPr algn="ctr"/>
               <a:r>
-                <a:rPr lang="id-ID" sz="800" dirty="0" smtClean="0"/>
+                <a:rPr lang="id-ID" sz="800" dirty="0"/>
                 <a:t>V5</a:t>
               </a:r>
             </a:p>
@@ -5444,7 +5428,7 @@
             <a:p>
               <a:pPr algn="ctr"/>
               <a:r>
-                <a:rPr lang="id-ID" sz="800" dirty="0" smtClean="0"/>
+                <a:rPr lang="id-ID" sz="800" dirty="0"/>
                 <a:t>V6</a:t>
               </a:r>
               <a:endParaRPr lang="en-US" sz="800" dirty="0"/>
@@ -5800,7 +5784,7 @@
             <a:lstStyle/>
             <a:p>
               <a:r>
-                <a:rPr lang="id-ID" sz="800" dirty="0" smtClean="0"/>
+                <a:rPr lang="id-ID" sz="800" dirty="0"/>
                 <a:t>7</a:t>
               </a:r>
               <a:endParaRPr lang="en-US" sz="800" dirty="0"/>
@@ -5864,7 +5848,7 @@
             <a:lstStyle/>
             <a:p>
               <a:r>
-                <a:rPr lang="id-ID" sz="800" dirty="0" smtClean="0"/>
+                <a:rPr lang="id-ID" sz="800" dirty="0"/>
                 <a:t>12</a:t>
               </a:r>
               <a:endParaRPr lang="en-US" sz="800" dirty="0"/>
@@ -5928,7 +5912,7 @@
             <a:lstStyle/>
             <a:p>
               <a:r>
-                <a:rPr lang="id-ID" sz="800" dirty="0" smtClean="0"/>
+                <a:rPr lang="id-ID" sz="800" dirty="0"/>
                 <a:t>10</a:t>
               </a:r>
               <a:endParaRPr lang="en-US" sz="800" dirty="0"/>
@@ -5960,7 +5944,7 @@
             <a:lstStyle/>
             <a:p>
               <a:r>
-                <a:rPr lang="id-ID" sz="800" dirty="0" smtClean="0"/>
+                <a:rPr lang="id-ID" sz="800" dirty="0"/>
                 <a:t>13</a:t>
               </a:r>
               <a:endParaRPr lang="en-US" sz="800" dirty="0"/>
@@ -6146,7 +6130,7 @@
             <a:p>
               <a:pPr algn="ctr"/>
               <a:r>
-                <a:rPr lang="id-ID" sz="800" dirty="0" smtClean="0"/>
+                <a:rPr lang="id-ID" sz="800" dirty="0"/>
                 <a:t>V2</a:t>
               </a:r>
               <a:endParaRPr lang="en-US" sz="800" dirty="0"/>
@@ -6191,7 +6175,7 @@
             <a:p>
               <a:pPr algn="ctr"/>
               <a:r>
-                <a:rPr lang="id-ID" sz="800" dirty="0" smtClean="0">
+                <a:rPr lang="id-ID" sz="800" dirty="0">
                   <a:solidFill>
                     <a:srgbClr val="FF0000"/>
                   </a:solidFill>
@@ -6244,7 +6228,7 @@
             <a:p>
               <a:pPr algn="ctr"/>
               <a:r>
-                <a:rPr lang="id-ID" sz="800" dirty="0" smtClean="0"/>
+                <a:rPr lang="id-ID" sz="800" dirty="0"/>
                 <a:t>V3</a:t>
               </a:r>
               <a:endParaRPr lang="en-US" sz="800" dirty="0"/>
@@ -6289,7 +6273,7 @@
             <a:p>
               <a:pPr algn="ctr"/>
               <a:r>
-                <a:rPr lang="id-ID" sz="800" dirty="0" smtClean="0"/>
+                <a:rPr lang="id-ID" sz="800" dirty="0"/>
                 <a:t>V1</a:t>
               </a:r>
               <a:endParaRPr lang="en-US" sz="800" dirty="0"/>
@@ -6332,7 +6316,7 @@
             <a:p>
               <a:pPr algn="ctr"/>
               <a:r>
-                <a:rPr lang="id-ID" sz="800" dirty="0" smtClean="0"/>
+                <a:rPr lang="id-ID" sz="800" dirty="0"/>
                 <a:t>V5</a:t>
               </a:r>
             </a:p>
@@ -6374,7 +6358,7 @@
             <a:p>
               <a:pPr algn="ctr"/>
               <a:r>
-                <a:rPr lang="id-ID" sz="800" dirty="0" smtClean="0"/>
+                <a:rPr lang="id-ID" sz="800" dirty="0"/>
                 <a:t>V6</a:t>
               </a:r>
               <a:endParaRPr lang="en-US" sz="800" dirty="0"/>
@@ -6766,7 +6750,7 @@
             <a:lstStyle/>
             <a:p>
               <a:r>
-                <a:rPr lang="id-ID" sz="800" dirty="0" smtClean="0"/>
+                <a:rPr lang="id-ID" sz="800" dirty="0"/>
                 <a:t>7</a:t>
               </a:r>
               <a:endParaRPr lang="en-US" sz="800" dirty="0"/>
@@ -6830,7 +6814,7 @@
             <a:lstStyle/>
             <a:p>
               <a:r>
-                <a:rPr lang="id-ID" sz="800" dirty="0" smtClean="0"/>
+                <a:rPr lang="id-ID" sz="800" dirty="0"/>
                 <a:t>12</a:t>
               </a:r>
               <a:endParaRPr lang="en-US" sz="800" dirty="0"/>
@@ -6894,7 +6878,7 @@
             <a:lstStyle/>
             <a:p>
               <a:r>
-                <a:rPr lang="id-ID" sz="800" dirty="0" smtClean="0"/>
+                <a:rPr lang="id-ID" sz="800" dirty="0"/>
                 <a:t>10</a:t>
               </a:r>
               <a:endParaRPr lang="en-US" sz="800" dirty="0"/>
@@ -6926,7 +6910,7 @@
             <a:lstStyle/>
             <a:p>
               <a:r>
-                <a:rPr lang="id-ID" sz="800" dirty="0" smtClean="0"/>
+                <a:rPr lang="id-ID" sz="800" dirty="0"/>
                 <a:t>13</a:t>
               </a:r>
               <a:endParaRPr lang="en-US" sz="800" dirty="0"/>
@@ -7144,7 +7128,7 @@
             <a:p>
               <a:pPr algn="ctr"/>
               <a:r>
-                <a:rPr lang="id-ID" sz="800" dirty="0" smtClean="0"/>
+                <a:rPr lang="id-ID" sz="800" dirty="0"/>
                 <a:t>V2</a:t>
               </a:r>
               <a:endParaRPr lang="en-US" sz="800" dirty="0"/>
@@ -7189,7 +7173,7 @@
             <a:p>
               <a:pPr algn="ctr"/>
               <a:r>
-                <a:rPr lang="id-ID" sz="800" dirty="0" smtClean="0"/>
+                <a:rPr lang="id-ID" sz="800" dirty="0"/>
                 <a:t>V4</a:t>
               </a:r>
               <a:endParaRPr lang="en-US" sz="800" dirty="0"/>
@@ -7234,7 +7218,7 @@
             <a:p>
               <a:pPr algn="ctr"/>
               <a:r>
-                <a:rPr lang="id-ID" sz="800" dirty="0" smtClean="0"/>
+                <a:rPr lang="id-ID" sz="800" dirty="0"/>
                 <a:t>V3</a:t>
               </a:r>
               <a:endParaRPr lang="en-US" sz="800" dirty="0"/>
@@ -7279,7 +7263,7 @@
             <a:p>
               <a:pPr algn="ctr"/>
               <a:r>
-                <a:rPr lang="id-ID" sz="800" dirty="0" smtClean="0"/>
+                <a:rPr lang="id-ID" sz="800" dirty="0"/>
                 <a:t>V1</a:t>
               </a:r>
               <a:endParaRPr lang="en-US" sz="800" dirty="0"/>
@@ -7322,7 +7306,7 @@
             <a:p>
               <a:pPr algn="ctr"/>
               <a:r>
-                <a:rPr lang="id-ID" sz="800" dirty="0" smtClean="0"/>
+                <a:rPr lang="id-ID" sz="800" dirty="0"/>
                 <a:t>V7</a:t>
               </a:r>
               <a:endParaRPr lang="en-US" sz="800" dirty="0"/>
@@ -7365,7 +7349,7 @@
             <a:p>
               <a:pPr algn="ctr"/>
               <a:r>
-                <a:rPr lang="id-ID" sz="800" dirty="0" smtClean="0"/>
+                <a:rPr lang="id-ID" sz="800" dirty="0"/>
                 <a:t>V5</a:t>
               </a:r>
             </a:p>
@@ -7409,7 +7393,7 @@
             <a:p>
               <a:pPr algn="ctr"/>
               <a:r>
-                <a:rPr lang="id-ID" sz="800" dirty="0" smtClean="0">
+                <a:rPr lang="id-ID" sz="800" dirty="0">
                   <a:solidFill>
                     <a:srgbClr val="FF0000"/>
                   </a:solidFill>
@@ -7881,7 +7865,7 @@
             <a:lstStyle/>
             <a:p>
               <a:r>
-                <a:rPr lang="id-ID" sz="800" dirty="0" smtClean="0"/>
+                <a:rPr lang="id-ID" sz="800" dirty="0"/>
                 <a:t>7</a:t>
               </a:r>
               <a:endParaRPr lang="en-US" sz="800" dirty="0"/>
@@ -7945,7 +7929,7 @@
             <a:lstStyle/>
             <a:p>
               <a:r>
-                <a:rPr lang="id-ID" sz="800" dirty="0" smtClean="0"/>
+                <a:rPr lang="id-ID" sz="800" dirty="0"/>
                 <a:t>12</a:t>
               </a:r>
               <a:endParaRPr lang="en-US" sz="800" dirty="0"/>
@@ -8009,7 +7993,7 @@
             <a:lstStyle/>
             <a:p>
               <a:r>
-                <a:rPr lang="id-ID" sz="800" dirty="0" smtClean="0"/>
+                <a:rPr lang="id-ID" sz="800" dirty="0"/>
                 <a:t>10</a:t>
               </a:r>
               <a:endParaRPr lang="en-US" sz="800" dirty="0"/>
@@ -8041,7 +8025,7 @@
             <a:lstStyle/>
             <a:p>
               <a:r>
-                <a:rPr lang="id-ID" sz="800" dirty="0" smtClean="0"/>
+                <a:rPr lang="id-ID" sz="800" dirty="0"/>
                 <a:t>13</a:t>
               </a:r>
               <a:endParaRPr lang="en-US" sz="800" dirty="0"/>
@@ -8201,7 +8185,7 @@
             <a:lstStyle/>
             <a:p>
               <a:r>
-                <a:rPr lang="id-ID" sz="800" dirty="0" smtClean="0"/>
+                <a:rPr lang="id-ID" sz="800" dirty="0"/>
                 <a:t>7</a:t>
               </a:r>
               <a:endParaRPr lang="en-US" sz="800" dirty="0"/>
